--- a/exercises2.pptx
+++ b/exercises2.pptx
@@ -14,13 +14,13 @@
     <p:sldId id="293" r:id="rId8"/>
     <p:sldId id="294" r:id="rId9"/>
     <p:sldId id="295" r:id="rId10"/>
-    <p:sldId id="296" r:id="rId11"/>
-    <p:sldId id="298" r:id="rId12"/>
-    <p:sldId id="306" r:id="rId13"/>
-    <p:sldId id="311" r:id="rId14"/>
-    <p:sldId id="307" r:id="rId15"/>
-    <p:sldId id="310" r:id="rId16"/>
-    <p:sldId id="312" r:id="rId17"/>
+    <p:sldId id="298" r:id="rId11"/>
+    <p:sldId id="306" r:id="rId12"/>
+    <p:sldId id="311" r:id="rId13"/>
+    <p:sldId id="307" r:id="rId14"/>
+    <p:sldId id="310" r:id="rId15"/>
+    <p:sldId id="312" r:id="rId16"/>
+    <p:sldId id="313" r:id="rId17"/>
   </p:sldIdLst>
   <p:sldSz cx="12192000" cy="6858000"/>
   <p:notesSz cx="6858000" cy="9144000"/>
@@ -3632,441 +3632,6 @@
         </p:nvSpPr>
         <p:spPr>
           <a:xfrm>
-            <a:off x="696000" y="729000"/>
-            <a:ext cx="10800000" cy="4893647"/>
-          </a:xfrm>
-          <a:prstGeom prst="rect">
-            <a:avLst/>
-          </a:prstGeom>
-          <a:noFill/>
-        </p:spPr>
-        <p:txBody>
-          <a:bodyPr wrap="square" rtlCol="0">
-            <a:spAutoFit/>
-          </a:bodyPr>
-          <a:lstStyle/>
-          <a:p>
-            <a:pPr marL="0" indent="0" algn="ctr">
-              <a:buNone/>
-            </a:pPr>
-            <a:r>
-              <a:rPr kumimoji="0" lang="en-GB" sz="2400" b="1" i="0" u="none" strike="noStrike" kern="1200" cap="none" spc="0" normalizeH="0" baseline="0" noProof="0" dirty="0">
-                <a:ln>
-                  <a:noFill/>
-                </a:ln>
-                <a:solidFill>
-                  <a:prstClr val="black"/>
-                </a:solidFill>
-                <a:effectLst/>
-                <a:uLnTx/>
-                <a:uFillTx/>
-                <a:latin typeface="Atkinson Hyperlegible" pitchFamily="50" charset="0"/>
-                <a:ea typeface="+mj-ea"/>
-                <a:cs typeface="+mj-cs"/>
-              </a:rPr>
-              <a:t>Task 8</a:t>
-            </a:r>
-          </a:p>
-          <a:p>
-            <a:endParaRPr lang="en-GB" sz="2400" dirty="0">
-              <a:solidFill>
-                <a:prstClr val="black"/>
-              </a:solidFill>
-              <a:latin typeface="Atkinson Hyperlegible" pitchFamily="50" charset="0"/>
-              <a:ea typeface="+mj-ea"/>
-              <a:cs typeface="+mj-cs"/>
-            </a:endParaRPr>
-          </a:p>
-          <a:p>
-            <a:r>
-              <a:rPr lang="en-GB" sz="2400" dirty="0"/>
-              <a:t>Write a function </a:t>
-            </a:r>
-            <a:r>
-              <a:rPr lang="en-GB" sz="2400" dirty="0" err="1">
-                <a:latin typeface="APL385 Unicode" panose="020B0709000202000203" pitchFamily="49" charset="0"/>
-              </a:rPr>
-              <a:t>RotationOf</a:t>
-            </a:r>
-            <a:r>
-              <a:rPr lang="en-GB" sz="2400" dirty="0"/>
-              <a:t> which takes two vectors and determines if they are rotations of each other:</a:t>
-            </a:r>
-            <a:endParaRPr lang="en-GB" sz="2400" dirty="0">
-              <a:solidFill>
-                <a:prstClr val="black"/>
-              </a:solidFill>
-              <a:latin typeface="APL385 Unicode" panose="020B0709000202000203" pitchFamily="49" charset="0"/>
-              <a:ea typeface="+mj-ea"/>
-              <a:cs typeface="+mj-cs"/>
-            </a:endParaRPr>
-          </a:p>
-          <a:p>
-            <a:endParaRPr lang="en-GB" sz="2400" dirty="0">
-              <a:solidFill>
-                <a:prstClr val="black"/>
-              </a:solidFill>
-              <a:latin typeface="Atkinson Hyperlegible" pitchFamily="50" charset="0"/>
-              <a:ea typeface="+mj-ea"/>
-              <a:cs typeface="+mj-cs"/>
-            </a:endParaRPr>
-          </a:p>
-          <a:p>
-            <a:r>
-              <a:rPr lang="en-GB" sz="2400" dirty="0">
-                <a:solidFill>
-                  <a:prstClr val="black"/>
-                </a:solidFill>
-                <a:latin typeface="APL385 Unicode" panose="020B0709000202000203" pitchFamily="49" charset="0"/>
-                <a:ea typeface="+mj-ea"/>
-                <a:cs typeface="+mj-cs"/>
-              </a:rPr>
-              <a:t>      '</a:t>
-            </a:r>
-            <a:r>
-              <a:rPr lang="en-GB" sz="2400" dirty="0" err="1">
-                <a:solidFill>
-                  <a:prstClr val="black"/>
-                </a:solidFill>
-                <a:latin typeface="APL385 Unicode" panose="020B0709000202000203" pitchFamily="49" charset="0"/>
-                <a:ea typeface="+mj-ea"/>
-                <a:cs typeface="+mj-cs"/>
-              </a:rPr>
-              <a:t>carrace</a:t>
-            </a:r>
-            <a:r>
-              <a:rPr lang="en-GB" sz="2400" dirty="0">
-                <a:solidFill>
-                  <a:prstClr val="black"/>
-                </a:solidFill>
-                <a:latin typeface="APL385 Unicode" panose="020B0709000202000203" pitchFamily="49" charset="0"/>
-                <a:ea typeface="+mj-ea"/>
-                <a:cs typeface="+mj-cs"/>
-              </a:rPr>
-              <a:t>' </a:t>
-            </a:r>
-            <a:r>
-              <a:rPr lang="en-GB" sz="2400" dirty="0" err="1">
-                <a:solidFill>
-                  <a:prstClr val="black"/>
-                </a:solidFill>
-                <a:latin typeface="APL385 Unicode" panose="020B0709000202000203" pitchFamily="49" charset="0"/>
-                <a:ea typeface="+mj-ea"/>
-                <a:cs typeface="+mj-cs"/>
-              </a:rPr>
-              <a:t>RotationOf</a:t>
-            </a:r>
-            <a:r>
-              <a:rPr lang="en-GB" sz="2400" dirty="0">
-                <a:solidFill>
-                  <a:prstClr val="black"/>
-                </a:solidFill>
-                <a:latin typeface="APL385 Unicode" panose="020B0709000202000203" pitchFamily="49" charset="0"/>
-                <a:ea typeface="+mj-ea"/>
-                <a:cs typeface="+mj-cs"/>
-              </a:rPr>
-              <a:t> '</a:t>
-            </a:r>
-            <a:r>
-              <a:rPr lang="en-GB" sz="2400" dirty="0" err="1">
-                <a:solidFill>
-                  <a:prstClr val="black"/>
-                </a:solidFill>
-                <a:latin typeface="APL385 Unicode" panose="020B0709000202000203" pitchFamily="49" charset="0"/>
-                <a:ea typeface="+mj-ea"/>
-                <a:cs typeface="+mj-cs"/>
-              </a:rPr>
-              <a:t>racecar</a:t>
-            </a:r>
-            <a:r>
-              <a:rPr lang="en-GB" sz="2400" dirty="0">
-                <a:solidFill>
-                  <a:prstClr val="black"/>
-                </a:solidFill>
-                <a:latin typeface="APL385 Unicode" panose="020B0709000202000203" pitchFamily="49" charset="0"/>
-                <a:ea typeface="+mj-ea"/>
-                <a:cs typeface="+mj-cs"/>
-              </a:rPr>
-              <a:t>'</a:t>
-            </a:r>
-          </a:p>
-          <a:p>
-            <a:r>
-              <a:rPr lang="en-GB" sz="2400" dirty="0">
-                <a:solidFill>
-                  <a:prstClr val="black"/>
-                </a:solidFill>
-                <a:latin typeface="APL385 Unicode" panose="020B0709000202000203" pitchFamily="49" charset="0"/>
-                <a:ea typeface="+mj-ea"/>
-                <a:cs typeface="+mj-cs"/>
-              </a:rPr>
-              <a:t>1</a:t>
-            </a:r>
-          </a:p>
-          <a:p>
-            <a:r>
-              <a:rPr lang="en-GB" sz="2400" dirty="0">
-                <a:solidFill>
-                  <a:prstClr val="black"/>
-                </a:solidFill>
-                <a:latin typeface="APL385 Unicode" panose="020B0709000202000203" pitchFamily="49" charset="0"/>
-                <a:ea typeface="+mj-ea"/>
-                <a:cs typeface="+mj-cs"/>
-              </a:rPr>
-              <a:t>      'teapot' </a:t>
-            </a:r>
-            <a:r>
-              <a:rPr lang="en-GB" sz="2400" dirty="0" err="1">
-                <a:solidFill>
-                  <a:prstClr val="black"/>
-                </a:solidFill>
-                <a:latin typeface="APL385 Unicode" panose="020B0709000202000203" pitchFamily="49" charset="0"/>
-                <a:ea typeface="+mj-ea"/>
-                <a:cs typeface="+mj-cs"/>
-              </a:rPr>
-              <a:t>RotationOf</a:t>
-            </a:r>
-            <a:r>
-              <a:rPr lang="en-GB" sz="2400" dirty="0">
-                <a:solidFill>
-                  <a:prstClr val="black"/>
-                </a:solidFill>
-                <a:latin typeface="APL385 Unicode" panose="020B0709000202000203" pitchFamily="49" charset="0"/>
-                <a:ea typeface="+mj-ea"/>
-                <a:cs typeface="+mj-cs"/>
-              </a:rPr>
-              <a:t> '</a:t>
-            </a:r>
-            <a:r>
-              <a:rPr lang="en-GB" sz="2400" dirty="0" err="1">
-                <a:solidFill>
-                  <a:prstClr val="black"/>
-                </a:solidFill>
-                <a:latin typeface="APL385 Unicode" panose="020B0709000202000203" pitchFamily="49" charset="0"/>
-                <a:ea typeface="+mj-ea"/>
-                <a:cs typeface="+mj-cs"/>
-              </a:rPr>
-              <a:t>topeat</a:t>
-            </a:r>
-            <a:r>
-              <a:rPr lang="en-GB" sz="2400" dirty="0">
-                <a:solidFill>
-                  <a:prstClr val="black"/>
-                </a:solidFill>
-                <a:latin typeface="APL385 Unicode" panose="020B0709000202000203" pitchFamily="49" charset="0"/>
-                <a:ea typeface="+mj-ea"/>
-                <a:cs typeface="+mj-cs"/>
-              </a:rPr>
-              <a:t>'</a:t>
-            </a:r>
-          </a:p>
-          <a:p>
-            <a:r>
-              <a:rPr lang="en-GB" sz="2400" dirty="0">
-                <a:solidFill>
-                  <a:prstClr val="black"/>
-                </a:solidFill>
-                <a:latin typeface="APL385 Unicode" panose="020B0709000202000203" pitchFamily="49" charset="0"/>
-                <a:ea typeface="+mj-ea"/>
-                <a:cs typeface="+mj-cs"/>
-              </a:rPr>
-              <a:t>0</a:t>
-            </a:r>
-          </a:p>
-          <a:p>
-            <a:r>
-              <a:rPr lang="en-US" sz="2400" dirty="0">
-                <a:solidFill>
-                  <a:prstClr val="black"/>
-                </a:solidFill>
-                <a:latin typeface="APL385 Unicode" panose="020B0709000202000203" pitchFamily="49" charset="0"/>
-                <a:ea typeface="+mj-ea"/>
-                <a:cs typeface="+mj-cs"/>
-              </a:rPr>
-              <a:t>      'apple' </a:t>
-            </a:r>
-            <a:r>
-              <a:rPr lang="en-US" sz="2400" dirty="0" err="1">
-                <a:solidFill>
-                  <a:prstClr val="black"/>
-                </a:solidFill>
-                <a:latin typeface="APL385 Unicode" panose="020B0709000202000203" pitchFamily="49" charset="0"/>
-                <a:ea typeface="+mj-ea"/>
-                <a:cs typeface="+mj-cs"/>
-              </a:rPr>
-              <a:t>RotationOf</a:t>
-            </a:r>
-            <a:r>
-              <a:rPr lang="en-US" sz="2400" dirty="0">
-                <a:solidFill>
-                  <a:prstClr val="black"/>
-                </a:solidFill>
-                <a:latin typeface="APL385 Unicode" panose="020B0709000202000203" pitchFamily="49" charset="0"/>
-                <a:ea typeface="+mj-ea"/>
-                <a:cs typeface="+mj-cs"/>
-              </a:rPr>
-              <a:t> '</a:t>
-            </a:r>
-            <a:r>
-              <a:rPr lang="en-US" sz="2400" dirty="0" err="1">
-                <a:solidFill>
-                  <a:prstClr val="black"/>
-                </a:solidFill>
-                <a:latin typeface="APL385 Unicode" panose="020B0709000202000203" pitchFamily="49" charset="0"/>
-                <a:ea typeface="+mj-ea"/>
-                <a:cs typeface="+mj-cs"/>
-              </a:rPr>
-              <a:t>leapp</a:t>
-            </a:r>
-            <a:r>
-              <a:rPr lang="en-US" sz="2400" dirty="0">
-                <a:solidFill>
-                  <a:prstClr val="black"/>
-                </a:solidFill>
-                <a:latin typeface="APL385 Unicode" panose="020B0709000202000203" pitchFamily="49" charset="0"/>
-                <a:ea typeface="+mj-ea"/>
-                <a:cs typeface="+mj-cs"/>
-              </a:rPr>
-              <a:t>'</a:t>
-            </a:r>
-          </a:p>
-          <a:p>
-            <a:r>
-              <a:rPr lang="en-US" sz="2400" dirty="0">
-                <a:solidFill>
-                  <a:prstClr val="black"/>
-                </a:solidFill>
-                <a:latin typeface="APL385 Unicode" panose="020B0709000202000203" pitchFamily="49" charset="0"/>
-                <a:ea typeface="+mj-ea"/>
-                <a:cs typeface="+mj-cs"/>
-              </a:rPr>
-              <a:t>1</a:t>
-            </a:r>
-          </a:p>
-          <a:p>
-            <a:r>
-              <a:rPr lang="en-US" sz="2400" dirty="0">
-                <a:solidFill>
-                  <a:prstClr val="black"/>
-                </a:solidFill>
-                <a:latin typeface="APL385 Unicode" panose="020B0709000202000203" pitchFamily="49" charset="0"/>
-                <a:ea typeface="+mj-ea"/>
-                <a:cs typeface="+mj-cs"/>
-              </a:rPr>
-              <a:t>      'pepper' </a:t>
-            </a:r>
-            <a:r>
-              <a:rPr lang="en-US" sz="2400" dirty="0" err="1">
-                <a:solidFill>
-                  <a:prstClr val="black"/>
-                </a:solidFill>
-                <a:latin typeface="APL385 Unicode" panose="020B0709000202000203" pitchFamily="49" charset="0"/>
-                <a:ea typeface="+mj-ea"/>
-                <a:cs typeface="+mj-cs"/>
-              </a:rPr>
-              <a:t>RotationOf</a:t>
-            </a:r>
-            <a:r>
-              <a:rPr lang="en-US" sz="2400" dirty="0">
-                <a:solidFill>
-                  <a:prstClr val="black"/>
-                </a:solidFill>
-                <a:latin typeface="APL385 Unicode" panose="020B0709000202000203" pitchFamily="49" charset="0"/>
-                <a:ea typeface="+mj-ea"/>
-                <a:cs typeface="+mj-cs"/>
-              </a:rPr>
-              <a:t> '</a:t>
-            </a:r>
-            <a:r>
-              <a:rPr lang="en-US" sz="2400" dirty="0" err="1">
-                <a:solidFill>
-                  <a:prstClr val="black"/>
-                </a:solidFill>
-                <a:latin typeface="APL385 Unicode" panose="020B0709000202000203" pitchFamily="49" charset="0"/>
-                <a:ea typeface="+mj-ea"/>
-                <a:cs typeface="+mj-cs"/>
-              </a:rPr>
-              <a:t>repppe</a:t>
-            </a:r>
-            <a:r>
-              <a:rPr lang="en-US" sz="2400" dirty="0">
-                <a:solidFill>
-                  <a:prstClr val="black"/>
-                </a:solidFill>
-                <a:latin typeface="APL385 Unicode" panose="020B0709000202000203" pitchFamily="49" charset="0"/>
-                <a:ea typeface="+mj-ea"/>
-                <a:cs typeface="+mj-cs"/>
-              </a:rPr>
-              <a:t>'</a:t>
-            </a:r>
-          </a:p>
-          <a:p>
-            <a:r>
-              <a:rPr lang="en-US" sz="2400" dirty="0">
-                <a:solidFill>
-                  <a:prstClr val="black"/>
-                </a:solidFill>
-                <a:latin typeface="APL385 Unicode" panose="020B0709000202000203" pitchFamily="49" charset="0"/>
-                <a:ea typeface="+mj-ea"/>
-                <a:cs typeface="+mj-cs"/>
-              </a:rPr>
-              <a:t>0</a:t>
-            </a:r>
-            <a:endParaRPr lang="en-GB" sz="2400" dirty="0">
-              <a:solidFill>
-                <a:prstClr val="black"/>
-              </a:solidFill>
-              <a:latin typeface="APL385 Unicode" panose="020B0709000202000203" pitchFamily="49" charset="0"/>
-              <a:ea typeface="+mj-ea"/>
-              <a:cs typeface="+mj-cs"/>
-            </a:endParaRPr>
-          </a:p>
-        </p:txBody>
-      </p:sp>
-    </p:spTree>
-    <p:extLst>
-      <p:ext uri="{BB962C8B-B14F-4D97-AF65-F5344CB8AC3E}">
-        <p14:creationId xmlns:p14="http://schemas.microsoft.com/office/powerpoint/2010/main" val="3516787753"/>
-      </p:ext>
-    </p:extLst>
-  </p:cSld>
-  <p:clrMapOvr>
-    <a:masterClrMapping/>
-  </p:clrMapOvr>
-</p:sld>
-</file>
-
-<file path=ppt/slides/slide11.xml><?xml version="1.0" encoding="utf-8"?>
-<p:sld xmlns:a="http://schemas.openxmlformats.org/drawingml/2006/main" xmlns:r="http://schemas.openxmlformats.org/officeDocument/2006/relationships" xmlns:p="http://schemas.openxmlformats.org/presentationml/2006/main">
-  <p:cSld>
-    <p:spTree>
-      <p:nvGrpSpPr>
-        <p:cNvPr id="1" name=""/>
-        <p:cNvGrpSpPr/>
-        <p:nvPr/>
-      </p:nvGrpSpPr>
-      <p:grpSpPr>
-        <a:xfrm>
-          <a:off x="0" y="0"/>
-          <a:ext cx="0" cy="0"/>
-          <a:chOff x="0" y="0"/>
-          <a:chExt cx="0" cy="0"/>
-        </a:xfrm>
-      </p:grpSpPr>
-      <p:sp>
-        <p:nvSpPr>
-          <p:cNvPr id="2" name="TextBox 1">
-            <a:extLst>
-              <a:ext uri="{FF2B5EF4-FFF2-40B4-BE49-F238E27FC236}">
-                <a16:creationId xmlns:a16="http://schemas.microsoft.com/office/drawing/2014/main" id="{ABB6BDA9-D3EC-48B2-8801-3CE10D1D5391}"/>
-              </a:ext>
-            </a:extLst>
-          </p:cNvPr>
-          <p:cNvSpPr txBox="1"/>
-          <p:nvPr/>
-        </p:nvSpPr>
-        <p:spPr>
-          <a:xfrm>
             <a:off x="696000" y="189000"/>
             <a:ext cx="10800000" cy="6555641"/>
           </a:xfrm>
@@ -4116,7 +3681,7 @@
                 <a:ea typeface="+mj-ea"/>
                 <a:cs typeface="+mj-cs"/>
               </a:rPr>
-              <a:t>11</a:t>
+              <a:t>10</a:t>
             </a:fld>
             <a:endParaRPr kumimoji="0" lang="en-GB" sz="2400" b="1" i="0" u="none" strike="noStrike" kern="1200" cap="none" spc="0" normalizeH="0" baseline="0" noProof="0" dirty="0">
               <a:ln>
@@ -4545,7 +4110,7 @@
 </p:sld>
 </file>
 
-<file path=ppt/slides/slide12.xml><?xml version="1.0" encoding="utf-8"?>
+<file path=ppt/slides/slide11.xml><?xml version="1.0" encoding="utf-8"?>
 <p:sld xmlns:a="http://schemas.openxmlformats.org/drawingml/2006/main" xmlns:r="http://schemas.openxmlformats.org/officeDocument/2006/relationships" xmlns:p="http://schemas.openxmlformats.org/presentationml/2006/main">
   <p:cSld>
     <p:spTree>
@@ -4625,7 +4190,7 @@
                 <a:ea typeface="+mj-ea"/>
                 <a:cs typeface="+mj-cs"/>
               </a:rPr>
-              <a:t>12</a:t>
+              <a:t>11</a:t>
             </a:fld>
             <a:endParaRPr kumimoji="0" lang="en-GB" sz="2400" b="1" i="0" u="none" strike="noStrike" kern="1200" cap="none" spc="0" normalizeH="0" baseline="0" noProof="0" dirty="0">
               <a:ln>
@@ -5109,7 +4674,7 @@
 </p:sld>
 </file>
 
-<file path=ppt/slides/slide13.xml><?xml version="1.0" encoding="utf-8"?>
+<file path=ppt/slides/slide12.xml><?xml version="1.0" encoding="utf-8"?>
 <p:sld xmlns:a="http://schemas.openxmlformats.org/drawingml/2006/main" xmlns:r="http://schemas.openxmlformats.org/officeDocument/2006/relationships" xmlns:p="http://schemas.openxmlformats.org/presentationml/2006/main">
   <p:cSld>
     <p:spTree>
@@ -5189,7 +4754,7 @@
                 <a:ea typeface="+mj-ea"/>
                 <a:cs typeface="+mj-cs"/>
               </a:rPr>
-              <a:t>13</a:t>
+              <a:t>12</a:t>
             </a:fld>
             <a:endParaRPr kumimoji="0" lang="en-GB" sz="2400" b="1" i="0" u="none" strike="noStrike" kern="1200" cap="none" spc="0" normalizeH="0" baseline="0" noProof="0" dirty="0">
               <a:ln>
@@ -5962,7 +5527,7 @@
 </p:sld>
 </file>
 
-<file path=ppt/slides/slide14.xml><?xml version="1.0" encoding="utf-8"?>
+<file path=ppt/slides/slide13.xml><?xml version="1.0" encoding="utf-8"?>
 <p:sld xmlns:a="http://schemas.openxmlformats.org/drawingml/2006/main" xmlns:r="http://schemas.openxmlformats.org/officeDocument/2006/relationships" xmlns:p="http://schemas.openxmlformats.org/presentationml/2006/main">
   <p:cSld>
     <p:spTree>
@@ -6042,7 +5607,7 @@
                 <a:ea typeface="+mj-ea"/>
                 <a:cs typeface="+mj-cs"/>
               </a:rPr>
-              <a:t>14</a:t>
+              <a:t>13</a:t>
             </a:fld>
             <a:endParaRPr kumimoji="0" lang="en-GB" sz="2400" b="1" i="0" u="none" strike="noStrike" kern="1200" cap="none" spc="0" normalizeH="0" baseline="0" noProof="0" dirty="0">
               <a:ln>
@@ -7101,7 +6666,7 @@
 </p:sld>
 </file>
 
-<file path=ppt/slides/slide15.xml><?xml version="1.0" encoding="utf-8"?>
+<file path=ppt/slides/slide14.xml><?xml version="1.0" encoding="utf-8"?>
 <p:sld xmlns:a="http://schemas.openxmlformats.org/drawingml/2006/main" xmlns:r="http://schemas.openxmlformats.org/officeDocument/2006/relationships" xmlns:p="http://schemas.openxmlformats.org/presentationml/2006/main">
   <p:cSld>
     <p:spTree>
@@ -7181,7 +6746,7 @@
                 <a:ea typeface="+mj-ea"/>
                 <a:cs typeface="+mj-cs"/>
               </a:rPr>
-              <a:t>15</a:t>
+              <a:t>14</a:t>
             </a:fld>
             <a:endParaRPr kumimoji="0" lang="en-GB" sz="2400" b="1" i="0" u="none" strike="noStrike" kern="1200" cap="none" spc="0" normalizeH="0" baseline="0" noProof="0" dirty="0">
               <a:ln>
@@ -7545,7 +7110,7 @@
 </p:sld>
 </file>
 
-<file path=ppt/slides/slide16.xml><?xml version="1.0" encoding="utf-8"?>
+<file path=ppt/slides/slide15.xml><?xml version="1.0" encoding="utf-8"?>
 <p:sld xmlns:a="http://schemas.openxmlformats.org/drawingml/2006/main" xmlns:r="http://schemas.openxmlformats.org/officeDocument/2006/relationships" xmlns:p="http://schemas.openxmlformats.org/presentationml/2006/main">
   <p:cSld>
     <p:spTree>
@@ -7625,7 +7190,7 @@
                 <a:ea typeface="+mj-ea"/>
                 <a:cs typeface="+mj-cs"/>
               </a:rPr>
-              <a:t>16</a:t>
+              <a:t>15</a:t>
             </a:fld>
             <a:endParaRPr kumimoji="0" lang="en-GB" sz="1400" b="1" i="0" u="none" strike="noStrike" kern="1200" cap="none" spc="0" normalizeH="0" baseline="0" noProof="0" dirty="0">
               <a:ln>
@@ -8699,6 +8264,481 @@
     <p:extLst>
       <p:ext uri="{BB962C8B-B14F-4D97-AF65-F5344CB8AC3E}">
         <p14:creationId xmlns:p14="http://schemas.microsoft.com/office/powerpoint/2010/main" val="1539944818"/>
+      </p:ext>
+    </p:extLst>
+  </p:cSld>
+  <p:clrMapOvr>
+    <a:masterClrMapping/>
+  </p:clrMapOvr>
+</p:sld>
+</file>
+
+<file path=ppt/slides/slide16.xml><?xml version="1.0" encoding="utf-8"?>
+<p:sld xmlns:a="http://schemas.openxmlformats.org/drawingml/2006/main" xmlns:r="http://schemas.openxmlformats.org/officeDocument/2006/relationships" xmlns:p="http://schemas.openxmlformats.org/presentationml/2006/main">
+  <p:cSld>
+    <p:spTree>
+      <p:nvGrpSpPr>
+        <p:cNvPr id="1" name=""/>
+        <p:cNvGrpSpPr/>
+        <p:nvPr/>
+      </p:nvGrpSpPr>
+      <p:grpSpPr>
+        <a:xfrm>
+          <a:off x="0" y="0"/>
+          <a:ext cx="0" cy="0"/>
+          <a:chOff x="0" y="0"/>
+          <a:chExt cx="0" cy="0"/>
+        </a:xfrm>
+      </p:grpSpPr>
+      <p:sp>
+        <p:nvSpPr>
+          <p:cNvPr id="2" name="TextBox 1">
+            <a:extLst>
+              <a:ext uri="{FF2B5EF4-FFF2-40B4-BE49-F238E27FC236}">
+                <a16:creationId xmlns:a16="http://schemas.microsoft.com/office/drawing/2014/main" id="{ABB6BDA9-D3EC-48B2-8801-3CE10D1D5391}"/>
+              </a:ext>
+            </a:extLst>
+          </p:cNvPr>
+          <p:cNvSpPr txBox="1"/>
+          <p:nvPr/>
+        </p:nvSpPr>
+        <p:spPr>
+          <a:xfrm>
+            <a:off x="696000" y="729000"/>
+            <a:ext cx="10800000" cy="4893647"/>
+          </a:xfrm>
+          <a:prstGeom prst="rect">
+            <a:avLst/>
+          </a:prstGeom>
+          <a:noFill/>
+        </p:spPr>
+        <p:txBody>
+          <a:bodyPr wrap="square" rtlCol="0">
+            <a:spAutoFit/>
+          </a:bodyPr>
+          <a:lstStyle/>
+          <a:p>
+            <a:pPr marL="0" indent="0" algn="ctr">
+              <a:buNone/>
+            </a:pPr>
+            <a:r>
+              <a:rPr kumimoji="0" lang="en-GB" sz="2400" b="1" i="0" u="none" strike="noStrike" kern="1200" cap="none" spc="0" normalizeH="0" baseline="0" noProof="0" dirty="0">
+                <a:ln>
+                  <a:noFill/>
+                </a:ln>
+                <a:solidFill>
+                  <a:prstClr val="black"/>
+                </a:solidFill>
+                <a:effectLst/>
+                <a:uLnTx/>
+                <a:uFillTx/>
+                <a:latin typeface="Atkinson Hyperlegible" pitchFamily="50" charset="0"/>
+                <a:ea typeface="+mj-ea"/>
+                <a:cs typeface="+mj-cs"/>
+              </a:rPr>
+              <a:t>Task </a:t>
+            </a:r>
+            <a:fld id="{C4A595E0-68AA-423E-BAF3-3392370CE250}" type="slidenum">
+              <a:rPr kumimoji="0" lang="en-GB" sz="2400" b="1" i="0" u="none" strike="noStrike" kern="1200" cap="none" spc="0" normalizeH="0" baseline="0" noProof="0" smtClean="0">
+                <a:ln>
+                  <a:noFill/>
+                </a:ln>
+                <a:solidFill>
+                  <a:prstClr val="black"/>
+                </a:solidFill>
+                <a:effectLst/>
+                <a:uLnTx/>
+                <a:uFillTx/>
+                <a:latin typeface="Atkinson Hyperlegible" pitchFamily="50" charset="0"/>
+                <a:ea typeface="+mj-ea"/>
+                <a:cs typeface="+mj-cs"/>
+              </a:rPr>
+              <a:t>16</a:t>
+            </a:fld>
+            <a:endParaRPr kumimoji="0" lang="en-GB" sz="2400" b="1" i="0" u="none" strike="noStrike" kern="1200" cap="none" spc="0" normalizeH="0" baseline="0" noProof="0" dirty="0">
+              <a:ln>
+                <a:noFill/>
+              </a:ln>
+              <a:solidFill>
+                <a:prstClr val="black"/>
+              </a:solidFill>
+              <a:effectLst/>
+              <a:uLnTx/>
+              <a:uFillTx/>
+              <a:latin typeface="Atkinson Hyperlegible" pitchFamily="50" charset="0"/>
+              <a:ea typeface="+mj-ea"/>
+              <a:cs typeface="+mj-cs"/>
+            </a:endParaRPr>
+          </a:p>
+          <a:p>
+            <a:pPr marL="0" indent="0" algn="ctr">
+              <a:buNone/>
+            </a:pPr>
+            <a:endParaRPr kumimoji="0" lang="en-GB" sz="2400" b="1" i="0" u="none" strike="noStrike" kern="1200" cap="none" spc="0" normalizeH="0" baseline="0" noProof="0" dirty="0">
+              <a:ln>
+                <a:noFill/>
+              </a:ln>
+              <a:solidFill>
+                <a:prstClr val="black"/>
+              </a:solidFill>
+              <a:effectLst/>
+              <a:uLnTx/>
+              <a:uFillTx/>
+              <a:latin typeface="Atkinson Hyperlegible" pitchFamily="50" charset="0"/>
+              <a:ea typeface="+mj-ea"/>
+              <a:cs typeface="+mj-cs"/>
+            </a:endParaRPr>
+          </a:p>
+          <a:p>
+            <a:r>
+              <a:rPr lang="en-GB" sz="2400" dirty="0"/>
+              <a:t>Write a function </a:t>
+            </a:r>
+            <a:r>
+              <a:rPr lang="en-GB" sz="2400" dirty="0" err="1">
+                <a:latin typeface="APL385 Unicode" panose="020B0709000202000203" pitchFamily="49" charset="0"/>
+              </a:rPr>
+              <a:t>RotationOf</a:t>
+            </a:r>
+            <a:r>
+              <a:rPr lang="en-GB" sz="2400" dirty="0"/>
+              <a:t> which takes two vectors and determines if they are rotations of each other:</a:t>
+            </a:r>
+            <a:endParaRPr lang="en-GB" sz="2400" dirty="0">
+              <a:solidFill>
+                <a:prstClr val="black"/>
+              </a:solidFill>
+              <a:latin typeface="APL385 Unicode" panose="020B0709000202000203" pitchFamily="49" charset="0"/>
+              <a:ea typeface="+mj-ea"/>
+              <a:cs typeface="+mj-cs"/>
+            </a:endParaRPr>
+          </a:p>
+          <a:p>
+            <a:endParaRPr lang="en-GB" sz="2400" dirty="0">
+              <a:solidFill>
+                <a:prstClr val="black"/>
+              </a:solidFill>
+              <a:latin typeface="Atkinson Hyperlegible" pitchFamily="50" charset="0"/>
+              <a:ea typeface="+mj-ea"/>
+              <a:cs typeface="+mj-cs"/>
+            </a:endParaRPr>
+          </a:p>
+          <a:p>
+            <a:r>
+              <a:rPr lang="en-GB" sz="2400" dirty="0">
+                <a:solidFill>
+                  <a:prstClr val="black"/>
+                </a:solidFill>
+                <a:latin typeface="APL385 Unicode" panose="020B0709000202000203" pitchFamily="49" charset="0"/>
+                <a:ea typeface="+mj-ea"/>
+                <a:cs typeface="+mj-cs"/>
+              </a:rPr>
+              <a:t>      '</a:t>
+            </a:r>
+            <a:r>
+              <a:rPr lang="en-GB" sz="2400" dirty="0" err="1">
+                <a:solidFill>
+                  <a:prstClr val="black"/>
+                </a:solidFill>
+                <a:latin typeface="APL385 Unicode" panose="020B0709000202000203" pitchFamily="49" charset="0"/>
+                <a:ea typeface="+mj-ea"/>
+                <a:cs typeface="+mj-cs"/>
+              </a:rPr>
+              <a:t>carrace</a:t>
+            </a:r>
+            <a:r>
+              <a:rPr lang="en-GB" sz="2400" dirty="0">
+                <a:solidFill>
+                  <a:prstClr val="black"/>
+                </a:solidFill>
+                <a:latin typeface="APL385 Unicode" panose="020B0709000202000203" pitchFamily="49" charset="0"/>
+                <a:ea typeface="+mj-ea"/>
+                <a:cs typeface="+mj-cs"/>
+              </a:rPr>
+              <a:t>' </a:t>
+            </a:r>
+            <a:r>
+              <a:rPr lang="en-GB" sz="2400" dirty="0" err="1">
+                <a:solidFill>
+                  <a:prstClr val="black"/>
+                </a:solidFill>
+                <a:latin typeface="APL385 Unicode" panose="020B0709000202000203" pitchFamily="49" charset="0"/>
+                <a:ea typeface="+mj-ea"/>
+                <a:cs typeface="+mj-cs"/>
+              </a:rPr>
+              <a:t>RotationOf</a:t>
+            </a:r>
+            <a:r>
+              <a:rPr lang="en-GB" sz="2400" dirty="0">
+                <a:solidFill>
+                  <a:prstClr val="black"/>
+                </a:solidFill>
+                <a:latin typeface="APL385 Unicode" panose="020B0709000202000203" pitchFamily="49" charset="0"/>
+                <a:ea typeface="+mj-ea"/>
+                <a:cs typeface="+mj-cs"/>
+              </a:rPr>
+              <a:t> '</a:t>
+            </a:r>
+            <a:r>
+              <a:rPr lang="en-GB" sz="2400" dirty="0" err="1">
+                <a:solidFill>
+                  <a:prstClr val="black"/>
+                </a:solidFill>
+                <a:latin typeface="APL385 Unicode" panose="020B0709000202000203" pitchFamily="49" charset="0"/>
+                <a:ea typeface="+mj-ea"/>
+                <a:cs typeface="+mj-cs"/>
+              </a:rPr>
+              <a:t>racecar</a:t>
+            </a:r>
+            <a:r>
+              <a:rPr lang="en-GB" sz="2400" dirty="0">
+                <a:solidFill>
+                  <a:prstClr val="black"/>
+                </a:solidFill>
+                <a:latin typeface="APL385 Unicode" panose="020B0709000202000203" pitchFamily="49" charset="0"/>
+                <a:ea typeface="+mj-ea"/>
+                <a:cs typeface="+mj-cs"/>
+              </a:rPr>
+              <a:t>'</a:t>
+            </a:r>
+          </a:p>
+          <a:p>
+            <a:r>
+              <a:rPr lang="en-GB" sz="2400" dirty="0">
+                <a:solidFill>
+                  <a:prstClr val="black"/>
+                </a:solidFill>
+                <a:latin typeface="APL385 Unicode" panose="020B0709000202000203" pitchFamily="49" charset="0"/>
+                <a:ea typeface="+mj-ea"/>
+                <a:cs typeface="+mj-cs"/>
+              </a:rPr>
+              <a:t>1</a:t>
+            </a:r>
+          </a:p>
+          <a:p>
+            <a:r>
+              <a:rPr lang="en-GB" sz="2400" dirty="0">
+                <a:solidFill>
+                  <a:prstClr val="black"/>
+                </a:solidFill>
+                <a:latin typeface="APL385 Unicode" panose="020B0709000202000203" pitchFamily="49" charset="0"/>
+                <a:ea typeface="+mj-ea"/>
+                <a:cs typeface="+mj-cs"/>
+              </a:rPr>
+              <a:t>      'teapot' </a:t>
+            </a:r>
+            <a:r>
+              <a:rPr lang="en-GB" sz="2400" dirty="0" err="1">
+                <a:solidFill>
+                  <a:prstClr val="black"/>
+                </a:solidFill>
+                <a:latin typeface="APL385 Unicode" panose="020B0709000202000203" pitchFamily="49" charset="0"/>
+                <a:ea typeface="+mj-ea"/>
+                <a:cs typeface="+mj-cs"/>
+              </a:rPr>
+              <a:t>RotationOf</a:t>
+            </a:r>
+            <a:r>
+              <a:rPr lang="en-GB" sz="2400" dirty="0">
+                <a:solidFill>
+                  <a:prstClr val="black"/>
+                </a:solidFill>
+                <a:latin typeface="APL385 Unicode" panose="020B0709000202000203" pitchFamily="49" charset="0"/>
+                <a:ea typeface="+mj-ea"/>
+                <a:cs typeface="+mj-cs"/>
+              </a:rPr>
+              <a:t> '</a:t>
+            </a:r>
+            <a:r>
+              <a:rPr lang="en-GB" sz="2400" dirty="0" err="1">
+                <a:solidFill>
+                  <a:prstClr val="black"/>
+                </a:solidFill>
+                <a:latin typeface="APL385 Unicode" panose="020B0709000202000203" pitchFamily="49" charset="0"/>
+                <a:ea typeface="+mj-ea"/>
+                <a:cs typeface="+mj-cs"/>
+              </a:rPr>
+              <a:t>topeat</a:t>
+            </a:r>
+            <a:r>
+              <a:rPr lang="en-GB" sz="2400" dirty="0">
+                <a:solidFill>
+                  <a:prstClr val="black"/>
+                </a:solidFill>
+                <a:latin typeface="APL385 Unicode" panose="020B0709000202000203" pitchFamily="49" charset="0"/>
+                <a:ea typeface="+mj-ea"/>
+                <a:cs typeface="+mj-cs"/>
+              </a:rPr>
+              <a:t>'</a:t>
+            </a:r>
+          </a:p>
+          <a:p>
+            <a:r>
+              <a:rPr lang="en-GB" sz="2400" dirty="0">
+                <a:solidFill>
+                  <a:prstClr val="black"/>
+                </a:solidFill>
+                <a:latin typeface="APL385 Unicode" panose="020B0709000202000203" pitchFamily="49" charset="0"/>
+                <a:ea typeface="+mj-ea"/>
+                <a:cs typeface="+mj-cs"/>
+              </a:rPr>
+              <a:t>0</a:t>
+            </a:r>
+          </a:p>
+          <a:p>
+            <a:r>
+              <a:rPr lang="en-US" sz="2400" dirty="0">
+                <a:solidFill>
+                  <a:prstClr val="black"/>
+                </a:solidFill>
+                <a:latin typeface="APL385 Unicode" panose="020B0709000202000203" pitchFamily="49" charset="0"/>
+                <a:ea typeface="+mj-ea"/>
+                <a:cs typeface="+mj-cs"/>
+              </a:rPr>
+              <a:t>      'apple' </a:t>
+            </a:r>
+            <a:r>
+              <a:rPr lang="en-US" sz="2400" dirty="0" err="1">
+                <a:solidFill>
+                  <a:prstClr val="black"/>
+                </a:solidFill>
+                <a:latin typeface="APL385 Unicode" panose="020B0709000202000203" pitchFamily="49" charset="0"/>
+                <a:ea typeface="+mj-ea"/>
+                <a:cs typeface="+mj-cs"/>
+              </a:rPr>
+              <a:t>RotationOf</a:t>
+            </a:r>
+            <a:r>
+              <a:rPr lang="en-US" sz="2400" dirty="0">
+                <a:solidFill>
+                  <a:prstClr val="black"/>
+                </a:solidFill>
+                <a:latin typeface="APL385 Unicode" panose="020B0709000202000203" pitchFamily="49" charset="0"/>
+                <a:ea typeface="+mj-ea"/>
+                <a:cs typeface="+mj-cs"/>
+              </a:rPr>
+              <a:t> '</a:t>
+            </a:r>
+            <a:r>
+              <a:rPr lang="en-US" sz="2400" dirty="0" err="1">
+                <a:solidFill>
+                  <a:prstClr val="black"/>
+                </a:solidFill>
+                <a:latin typeface="APL385 Unicode" panose="020B0709000202000203" pitchFamily="49" charset="0"/>
+                <a:ea typeface="+mj-ea"/>
+                <a:cs typeface="+mj-cs"/>
+              </a:rPr>
+              <a:t>leapp</a:t>
+            </a:r>
+            <a:r>
+              <a:rPr lang="en-US" sz="2400" dirty="0">
+                <a:solidFill>
+                  <a:prstClr val="black"/>
+                </a:solidFill>
+                <a:latin typeface="APL385 Unicode" panose="020B0709000202000203" pitchFamily="49" charset="0"/>
+                <a:ea typeface="+mj-ea"/>
+                <a:cs typeface="+mj-cs"/>
+              </a:rPr>
+              <a:t>'</a:t>
+            </a:r>
+          </a:p>
+          <a:p>
+            <a:r>
+              <a:rPr lang="en-US" sz="2400" dirty="0">
+                <a:solidFill>
+                  <a:prstClr val="black"/>
+                </a:solidFill>
+                <a:latin typeface="APL385 Unicode" panose="020B0709000202000203" pitchFamily="49" charset="0"/>
+                <a:ea typeface="+mj-ea"/>
+                <a:cs typeface="+mj-cs"/>
+              </a:rPr>
+              <a:t>1</a:t>
+            </a:r>
+          </a:p>
+          <a:p>
+            <a:r>
+              <a:rPr lang="en-US" sz="2400" dirty="0">
+                <a:solidFill>
+                  <a:prstClr val="black"/>
+                </a:solidFill>
+                <a:latin typeface="APL385 Unicode" panose="020B0709000202000203" pitchFamily="49" charset="0"/>
+                <a:ea typeface="+mj-ea"/>
+                <a:cs typeface="+mj-cs"/>
+              </a:rPr>
+              <a:t>      'pepper' </a:t>
+            </a:r>
+            <a:r>
+              <a:rPr lang="en-US" sz="2400" dirty="0" err="1">
+                <a:solidFill>
+                  <a:prstClr val="black"/>
+                </a:solidFill>
+                <a:latin typeface="APL385 Unicode" panose="020B0709000202000203" pitchFamily="49" charset="0"/>
+                <a:ea typeface="+mj-ea"/>
+                <a:cs typeface="+mj-cs"/>
+              </a:rPr>
+              <a:t>RotationOf</a:t>
+            </a:r>
+            <a:r>
+              <a:rPr lang="en-US" sz="2400" dirty="0">
+                <a:solidFill>
+                  <a:prstClr val="black"/>
+                </a:solidFill>
+                <a:latin typeface="APL385 Unicode" panose="020B0709000202000203" pitchFamily="49" charset="0"/>
+                <a:ea typeface="+mj-ea"/>
+                <a:cs typeface="+mj-cs"/>
+              </a:rPr>
+              <a:t> '</a:t>
+            </a:r>
+            <a:r>
+              <a:rPr lang="en-US" sz="2400" dirty="0" err="1">
+                <a:solidFill>
+                  <a:prstClr val="black"/>
+                </a:solidFill>
+                <a:latin typeface="APL385 Unicode" panose="020B0709000202000203" pitchFamily="49" charset="0"/>
+                <a:ea typeface="+mj-ea"/>
+                <a:cs typeface="+mj-cs"/>
+              </a:rPr>
+              <a:t>repppe</a:t>
+            </a:r>
+            <a:r>
+              <a:rPr lang="en-US" sz="2400" dirty="0">
+                <a:solidFill>
+                  <a:prstClr val="black"/>
+                </a:solidFill>
+                <a:latin typeface="APL385 Unicode" panose="020B0709000202000203" pitchFamily="49" charset="0"/>
+                <a:ea typeface="+mj-ea"/>
+                <a:cs typeface="+mj-cs"/>
+              </a:rPr>
+              <a:t>'</a:t>
+            </a:r>
+          </a:p>
+          <a:p>
+            <a:r>
+              <a:rPr lang="en-US" sz="2400" dirty="0">
+                <a:solidFill>
+                  <a:prstClr val="black"/>
+                </a:solidFill>
+                <a:latin typeface="APL385 Unicode" panose="020B0709000202000203" pitchFamily="49" charset="0"/>
+                <a:ea typeface="+mj-ea"/>
+                <a:cs typeface="+mj-cs"/>
+              </a:rPr>
+              <a:t>0</a:t>
+            </a:r>
+            <a:endParaRPr lang="en-GB" sz="2400" dirty="0">
+              <a:solidFill>
+                <a:prstClr val="black"/>
+              </a:solidFill>
+              <a:latin typeface="APL385 Unicode" panose="020B0709000202000203" pitchFamily="49" charset="0"/>
+              <a:ea typeface="+mj-ea"/>
+              <a:cs typeface="+mj-cs"/>
+            </a:endParaRPr>
+          </a:p>
+        </p:txBody>
+      </p:sp>
+    </p:spTree>
+    <p:extLst>
+      <p:ext uri="{BB962C8B-B14F-4D97-AF65-F5344CB8AC3E}">
+        <p14:creationId xmlns:p14="http://schemas.microsoft.com/office/powerpoint/2010/main" val="1027383158"/>
       </p:ext>
     </p:extLst>
   </p:cSld>
@@ -9244,7 +9284,7 @@
                 <a:ea typeface="+mj-ea"/>
                 <a:cs typeface="+mj-cs"/>
               </a:rPr>
-              <a:t>Create the following </a:t>
+              <a:t>Put the following </a:t>
             </a:r>
             <a:r>
               <a:rPr lang="en-GB" sz="2400" dirty="0" err="1">
@@ -9266,7 +9306,7 @@
                 <a:ea typeface="+mj-ea"/>
                 <a:cs typeface="+mj-cs"/>
               </a:rPr>
-              <a:t>:</a:t>
+              <a:t> in your workspace:</a:t>
             </a:r>
           </a:p>
           <a:p>
@@ -9365,7 +9405,7 @@
           <a:p>
             <a:r>
               <a:rPr lang="en-GB" sz="2400" dirty="0"/>
-              <a:t>Create the following </a:t>
+              <a:t>Put the following </a:t>
             </a:r>
             <a:r>
               <a:rPr lang="en-GB" sz="2400" dirty="0" err="1"/>
@@ -9373,7 +9413,7 @@
             </a:r>
             <a:r>
               <a:rPr lang="en-GB" sz="2400" dirty="0"/>
-              <a:t>:</a:t>
+              <a:t> in your workspace:</a:t>
             </a:r>
           </a:p>
           <a:p>
